--- a/Other/ExtraFunctionalities/calibrationImages/evaluarLLums.pptx
+++ b/Other/ExtraFunctionalities/calibrationImages/evaluarLLums.pptx
@@ -4502,17 +4502,38 @@
                   <a:schemeClr val="accent6"/>
                 </a:solidFill>
               </a:rPr>
-              <a:t>(-37.3,-12.5,-110)</a:t>
-            </a:r>
-          </a:p>
-          <a:p>
+              <a:t>(-37.3,-12.5,-</a:t>
+            </a:r>
+            <a:r>
+              <a:rPr lang="ca-ES" sz="2400" b="1" dirty="0" smtClean="0">
+                <a:solidFill>
+                  <a:schemeClr val="accent6"/>
+                </a:solidFill>
+              </a:rPr>
+              <a:t>101)</a:t>
+            </a:r>
+            <a:endParaRPr lang="ca-ES" sz="2400" b="1" dirty="0" smtClean="0">
+              <a:solidFill>
+                <a:schemeClr val="accent6"/>
+              </a:solidFill>
+            </a:endParaRPr>
+          </a:p>
+          <a:p>
+            <a:r>
+              <a:rPr lang="ca-ES" sz="2400" b="1" dirty="0" smtClean="0">
+                <a:solidFill>
+                  <a:schemeClr val="accent6"/>
+                </a:solidFill>
+              </a:rPr>
+              <a:t>u= </a:t>
+            </a:r>
             <a:r>
               <a:rPr lang="ca-ES" sz="2400" b="1" dirty="0">
                 <a:solidFill>
                   <a:schemeClr val="accent6"/>
                 </a:solidFill>
               </a:rPr>
-              <a:t>v</a:t>
+              <a:t>(-</a:t>
             </a:r>
             <a:r>
               <a:rPr lang="ca-ES" sz="2400" b="1" dirty="0" smtClean="0">
@@ -4520,15 +4541,7 @@
                   <a:schemeClr val="accent6"/>
                 </a:solidFill>
               </a:rPr>
-              <a:t>= </a:t>
-            </a:r>
-            <a:r>
-              <a:rPr lang="ca-ES" sz="2400" b="1" dirty="0">
-                <a:solidFill>
-                  <a:schemeClr val="accent6"/>
-                </a:solidFill>
-              </a:rPr>
-              <a:t>(-0.32 </a:t>
+              <a:t>0.34 </a:t>
             </a:r>
             <a:r>
               <a:rPr lang="ca-ES" sz="2400" b="1" dirty="0" smtClean="0">
@@ -4536,7 +4549,39 @@
                   <a:schemeClr val="accent6"/>
                 </a:solidFill>
               </a:rPr>
-              <a:t>,-0.107, -0.94)</a:t>
+              <a:t>,-</a:t>
+            </a:r>
+            <a:r>
+              <a:rPr lang="ca-ES" sz="2400" b="1" dirty="0" smtClean="0">
+                <a:solidFill>
+                  <a:schemeClr val="accent6"/>
+                </a:solidFill>
+              </a:rPr>
+              <a:t>0.11, </a:t>
+            </a:r>
+            <a:r>
+              <a:rPr lang="ca-ES" sz="2400" b="1" dirty="0" smtClean="0">
+                <a:solidFill>
+                  <a:schemeClr val="accent6"/>
+                </a:solidFill>
+              </a:rPr>
+              <a:t>-</a:t>
+            </a:r>
+            <a:r>
+              <a:rPr lang="ca-ES" sz="2400" b="1" dirty="0" smtClean="0">
+                <a:solidFill>
+                  <a:schemeClr val="accent6"/>
+                </a:solidFill>
+              </a:rPr>
+              <a:t>0.93)</a:t>
+            </a:r>
+            <a:r>
+              <a:rPr lang="ca-ES" sz="2400" b="1" dirty="0" smtClean="0">
+                <a:solidFill>
+                  <a:schemeClr val="accent6"/>
+                </a:solidFill>
+              </a:rPr>
+              <a:t/>
             </a:r>
             <a:br>
               <a:rPr lang="ca-ES" sz="2400" b="1" dirty="0" smtClean="0">
@@ -4561,7 +4606,7 @@
         </p:nvSpPr>
         <p:spPr>
           <a:xfrm rot="20590907">
-            <a:off x="4449187" y="2073058"/>
+            <a:off x="4438590" y="2162706"/>
             <a:ext cx="2892529" cy="1200329"/>
           </a:xfrm>
           <a:prstGeom prst="rect">
@@ -4588,15 +4633,28 @@
             </a:br>
             <a:r>
               <a:rPr lang="ca-ES" sz="2400" b="1" dirty="0" smtClean="0"/>
-              <a:t>(9,4.2,-110)</a:t>
+              <a:t>(9,4.2,-</a:t>
+            </a:r>
+            <a:r>
+              <a:rPr lang="ca-ES" sz="2400" b="1" dirty="0" smtClean="0"/>
+              <a:t>101)</a:t>
+            </a:r>
+            <a:r>
+              <a:rPr lang="ca-ES" sz="2400" b="1" dirty="0" smtClean="0"/>
+              <a:t/>
             </a:r>
             <a:br>
               <a:rPr lang="ca-ES" sz="2400" b="1" dirty="0" smtClean="0"/>
             </a:br>
             <a:r>
               <a:rPr lang="ca-ES" sz="2400" b="1" dirty="0" smtClean="0"/>
-              <a:t>u= (0.08, 0.038,-0.99)</a:t>
-            </a:r>
+              <a:t>u= (</a:t>
+            </a:r>
+            <a:r>
+              <a:rPr lang="ca-ES" sz="2400" b="1" dirty="0" smtClean="0"/>
+              <a:t>0.09, 0.04,-0.995)</a:t>
+            </a:r>
+            <a:endParaRPr lang="ca-ES" sz="2400" b="1" dirty="0" smtClean="0"/>
           </a:p>
         </p:txBody>
       </p:sp>
@@ -4649,7 +4707,27 @@
                   </a:schemeClr>
                 </a:solidFill>
               </a:rPr>
-              <a:t>(53,19,-110)</a:t>
+              <a:t>(53,19,-</a:t>
+            </a:r>
+            <a:r>
+              <a:rPr lang="ca-ES" sz="2400" b="1" dirty="0" smtClean="0">
+                <a:solidFill>
+                  <a:schemeClr val="accent6">
+                    <a:lumMod val="50000"/>
+                  </a:schemeClr>
+                </a:solidFill>
+              </a:rPr>
+              <a:t>101)</a:t>
+            </a:r>
+            <a:r>
+              <a:rPr lang="ca-ES" sz="2400" b="1" dirty="0" smtClean="0">
+                <a:solidFill>
+                  <a:schemeClr val="accent6">
+                    <a:lumMod val="50000"/>
+                  </a:schemeClr>
+                </a:solidFill>
+              </a:rPr>
+              <a:t/>
             </a:r>
             <a:br>
               <a:rPr lang="ca-ES" sz="2400" b="1" dirty="0" smtClean="0">
@@ -4668,7 +4746,17 @@
                   </a:schemeClr>
                 </a:solidFill>
               </a:rPr>
-              <a:t>u= (0.43, 0.15,-0.89)</a:t>
+              <a:t>u= (</a:t>
+            </a:r>
+            <a:r>
+              <a:rPr lang="ca-ES" sz="2400" b="1" dirty="0" smtClean="0">
+                <a:solidFill>
+                  <a:schemeClr val="accent6">
+                    <a:lumMod val="50000"/>
+                  </a:schemeClr>
+                </a:solidFill>
+              </a:rPr>
+              <a:t>0.46, 0.164,-0.87)</a:t>
             </a:r>
             <a:endParaRPr lang="ca-ES" sz="2400" b="1" dirty="0">
               <a:solidFill>
@@ -4825,7 +4913,7 @@
           <p:nvPr>
             <p:extLst>
               <p:ext uri="{D42A27DB-BD31-4B8C-83A1-F6EECF244321}">
-                <p14:modId xmlns:p14="http://schemas.microsoft.com/office/powerpoint/2010/main" val="1386368514"/>
+                <p14:modId xmlns:p14="http://schemas.microsoft.com/office/powerpoint/2010/main" val="1343038765"/>
               </p:ext>
             </p:extLst>
           </p:nvPr>
@@ -4896,14 +4984,26 @@
                     <a:p>
                       <a:pPr algn="ctr"/>
                       <a:r>
-                        <a:rPr lang="es-ES" dirty="0" err="1" smtClean="0"/>
+                        <a:rPr lang="es-ES" dirty="0" err="1" smtClean="0">
+                          <a:solidFill>
+                            <a:schemeClr val="tx1"/>
+                          </a:solidFill>
+                        </a:rPr>
                         <a:t>Llum</a:t>
                       </a:r>
                       <a:r>
-                        <a:rPr lang="es-ES" dirty="0" smtClean="0"/>
+                        <a:rPr lang="es-ES" dirty="0" smtClean="0">
+                          <a:solidFill>
+                            <a:schemeClr val="tx1"/>
+                          </a:solidFill>
+                        </a:rPr>
                         <a:t> 1</a:t>
                       </a:r>
-                      <a:endParaRPr lang="es-ES" dirty="0"/>
+                      <a:endParaRPr lang="es-ES" dirty="0">
+                        <a:solidFill>
+                          <a:schemeClr val="tx1"/>
+                        </a:solidFill>
+                      </a:endParaRPr>
                     </a:p>
                   </a:txBody>
                   <a:tcPr/>
@@ -4915,10 +5015,18 @@
                     <a:p>
                       <a:pPr algn="ctr"/>
                       <a:r>
-                        <a:rPr lang="es-ES" dirty="0" smtClean="0"/>
-                        <a:t>(-0.32 ,-0.107, -0.94)</a:t>
+                        <a:rPr lang="ca-ES" sz="1800" b="0" dirty="0" smtClean="0">
+                          <a:solidFill>
+                            <a:schemeClr val="tx1"/>
+                          </a:solidFill>
+                        </a:rPr>
+                        <a:t>(-0.34 ,-0.11, -0.93)</a:t>
                       </a:r>
-                      <a:endParaRPr lang="es-ES" dirty="0"/>
+                      <a:endParaRPr lang="es-ES" b="0" dirty="0">
+                        <a:solidFill>
+                          <a:schemeClr val="tx1"/>
+                        </a:solidFill>
+                      </a:endParaRPr>
                     </a:p>
                   </a:txBody>
                   <a:tcPr/>
@@ -4964,11 +5072,11 @@
                     <a:bodyPr/>
                     <a:lstStyle/>
                     <a:p>
-                      <a:pPr algn="ctr"/>
                       <a:r>
-                        <a:rPr lang="es-ES" dirty="0" smtClean="0"/>
-                        <a:t>(0.09, 0.038,-0.99)</a:t>
+                        <a:rPr lang="ca-ES" sz="1800" b="0" dirty="0" smtClean="0"/>
+                        <a:t>     (0.09, 0.04,-0.995)</a:t>
                       </a:r>
+                      <a:endParaRPr lang="ca-ES" sz="1800" b="0" dirty="0" smtClean="0"/>
                     </a:p>
                   </a:txBody>
                   <a:tcPr/>
@@ -5014,10 +5122,30 @@
                     <a:bodyPr/>
                     <a:lstStyle/>
                     <a:p>
-                      <a:pPr algn="ctr"/>
+                      <a:pPr marL="0" marR="0" indent="0" algn="ctr" defTabSz="914400" rtl="0" eaLnBrk="1" fontAlgn="auto" latinLnBrk="0" hangingPunct="1">
+                        <a:lnSpc>
+                          <a:spcPct val="100000"/>
+                        </a:lnSpc>
+                        <a:spcBef>
+                          <a:spcPts val="0"/>
+                        </a:spcBef>
+                        <a:spcAft>
+                          <a:spcPts val="0"/>
+                        </a:spcAft>
+                        <a:buClrTx/>
+                        <a:buSzTx/>
+                        <a:buFontTx/>
+                        <a:buNone/>
+                        <a:tabLst/>
+                        <a:defRPr/>
+                      </a:pPr>
                       <a:r>
-                        <a:rPr lang="es-ES" dirty="0" smtClean="0"/>
-                        <a:t>(0.43, 0.15,-0.89)</a:t>
+                        <a:rPr lang="ca-ES" sz="1800" b="0" dirty="0" smtClean="0">
+                          <a:solidFill>
+                            <a:schemeClr val="tx1"/>
+                          </a:solidFill>
+                        </a:rPr>
+                        <a:t>(0.46, 0.164,-0.87)</a:t>
                       </a:r>
                     </a:p>
                   </a:txBody>
@@ -5051,8 +5179,8 @@
         </p:nvSpPr>
         <p:spPr>
           <a:xfrm>
-            <a:off x="827584" y="2630013"/>
-            <a:ext cx="6552728" cy="1200329"/>
+            <a:off x="827584" y="2898001"/>
+            <a:ext cx="6552728" cy="646331"/>
           </a:xfrm>
           <a:prstGeom prst="rect">
             <a:avLst/>
@@ -5079,7 +5207,11 @@
             </a:r>
             <a:r>
               <a:rPr lang="es-ES" dirty="0" smtClean="0"/>
-              <a:t> a una altura de -110 cm, </a:t>
+              <a:t> a una altura de -</a:t>
+            </a:r>
+            <a:r>
+              <a:rPr lang="es-ES" dirty="0" smtClean="0"/>
+              <a:t>101 cm (Bola a 9 cm), </a:t>
             </a:r>
             <a:r>
               <a:rPr lang="es-ES" dirty="0" err="1" smtClean="0"/>
@@ -5098,36 +5230,6 @@
               <a:t>:</a:t>
             </a:r>
             <a:endParaRPr lang="es-ES" dirty="0"/>
-          </a:p>
-          <a:p>
-            <a:r>
-              <a:rPr lang="es-ES" dirty="0" smtClean="0"/>
-              <a:t>Distancia </a:t>
-            </a:r>
-            <a:r>
-              <a:rPr lang="es-ES" dirty="0" smtClean="0"/>
-              <a:t>Llum1-Llum2: </a:t>
-            </a:r>
-            <a:r>
-              <a:rPr lang="es-ES" dirty="0" smtClean="0"/>
-              <a:t>49.3 cm (Distancia real entre </a:t>
-            </a:r>
-            <a:r>
-              <a:rPr lang="es-ES" dirty="0" smtClean="0"/>
-              <a:t>49.3) </a:t>
-            </a:r>
-            <a:endParaRPr lang="es-ES" dirty="0" smtClean="0"/>
-          </a:p>
-          <a:p>
-            <a:r>
-              <a:rPr lang="es-ES" dirty="0" smtClean="0"/>
-              <a:t>Distancia Llum2-Llum3: 46.42 cm (Distancia real </a:t>
-            </a:r>
-            <a:r>
-              <a:rPr lang="es-ES" dirty="0" smtClean="0"/>
-              <a:t>46.42)</a:t>
-            </a:r>
-            <a:endParaRPr lang="es-ES" dirty="0" smtClean="0"/>
           </a:p>
         </p:txBody>
       </p:sp>
@@ -5256,13 +5358,13 @@
           <p:nvPr>
             <p:extLst>
               <p:ext uri="{D42A27DB-BD31-4B8C-83A1-F6EECF244321}">
-                <p14:modId xmlns:p14="http://schemas.microsoft.com/office/powerpoint/2010/main" val="3464536204"/>
+                <p14:modId xmlns:p14="http://schemas.microsoft.com/office/powerpoint/2010/main" val="602187633"/>
               </p:ext>
             </p:extLst>
           </p:nvPr>
         </p:nvGraphicFramePr>
         <p:xfrm>
-          <a:off x="779748" y="3951682"/>
+          <a:off x="779748" y="3726497"/>
           <a:ext cx="7224464" cy="1378269"/>
         </p:xfrm>
         <a:graphic>
@@ -5298,6 +5400,10 @@
                         <a:rPr lang="es-ES" dirty="0" err="1" smtClean="0"/>
                         <a:t>Mesurat</a:t>
                       </a:r>
+                      <a:r>
+                        <a:rPr lang="es-ES" dirty="0" smtClean="0"/>
+                        <a:t> (= cm)</a:t>
+                      </a:r>
                       <a:endParaRPr lang="es-ES" dirty="0"/>
                     </a:p>
                   </a:txBody>
@@ -5312,6 +5418,10 @@
                       <a:r>
                         <a:rPr lang="es-ES" dirty="0" err="1" smtClean="0"/>
                         <a:t>Calculat</a:t>
+                      </a:r>
+                      <a:r>
+                        <a:rPr lang="es-ES" dirty="0" smtClean="0"/>
+                        <a:t> (= cm)</a:t>
                       </a:r>
                       <a:endParaRPr lang="es-ES" dirty="0"/>
                     </a:p>
@@ -5400,7 +5510,6 @@
                         <a:rPr lang="es-ES" dirty="0" smtClean="0"/>
                         <a:t>46.42</a:t>
                       </a:r>
-                      <a:endParaRPr lang="es-ES" dirty="0" smtClean="0"/>
                     </a:p>
                   </a:txBody>
                   <a:tcPr/>
